--- a/doc/MON32_fw_design.pptx
+++ b/doc/MON32_fw_design.pptx
@@ -5112,7 +5112,7 @@
                   <a:reflection blurRad="6350" stA="53000" endA="300" endPos="35500" dir="5400000" sy="-90000" algn="bl" rotWithShape="0"/>
                 </a:effectLst>
               </a:rPr>
-              <a:t>Upgrade Plan</a:t>
+              <a:t>Upgrade Plan 1</a:t>
             </a:r>
             <a:endParaRPr lang="en-US" altLang="zh-CN" sz="2800">
               <a:gradFill>
